--- a/二维码PPT.pptx
+++ b/二维码PPT.pptx
@@ -1927,7 +1927,7 @@
           <a:p>
             <a:fld id="{DFB31785-D22D-1246-A2E2-4A10334112B6}" type="datetimeFigureOut">
               <a:rPr kumimoji="1" lang="zh-CN" altLang="en-US" smtClean="0"/>
-              <a:t>14-10-15</a:t>
+              <a:t>14/11/26</a:t>
             </a:fld>
             <a:endParaRPr kumimoji="1" lang="zh-CN" altLang="en-US"/>
           </a:p>
@@ -2108,7 +2108,7 @@
           <a:p>
             <a:fld id="{DFB31785-D22D-1246-A2E2-4A10334112B6}" type="datetimeFigureOut">
               <a:rPr kumimoji="1" lang="zh-CN" altLang="en-US" smtClean="0"/>
-              <a:t>14-10-15</a:t>
+              <a:t>14/11/26</a:t>
             </a:fld>
             <a:endParaRPr kumimoji="1" lang="zh-CN" altLang="en-US"/>
           </a:p>
@@ -2259,7 +2259,7 @@
           <a:p>
             <a:fld id="{DFB31785-D22D-1246-A2E2-4A10334112B6}" type="datetimeFigureOut">
               <a:rPr kumimoji="1" lang="zh-CN" altLang="en-US" smtClean="0"/>
-              <a:t>14-10-15</a:t>
+              <a:t>14/11/26</a:t>
             </a:fld>
             <a:endParaRPr kumimoji="1" lang="zh-CN" altLang="en-US"/>
           </a:p>
@@ -4085,7 +4085,7 @@
           <a:p>
             <a:fld id="{DFB31785-D22D-1246-A2E2-4A10334112B6}" type="datetimeFigureOut">
               <a:rPr kumimoji="1" lang="zh-CN" altLang="en-US" smtClean="0"/>
-              <a:t>14-10-15</a:t>
+              <a:t>14/11/26</a:t>
             </a:fld>
             <a:endParaRPr kumimoji="1" lang="zh-CN" altLang="en-US"/>
           </a:p>
@@ -5955,7 +5955,7 @@
           <a:p>
             <a:fld id="{DFB31785-D22D-1246-A2E2-4A10334112B6}" type="datetimeFigureOut">
               <a:rPr kumimoji="1" lang="zh-CN" altLang="en-US" smtClean="0"/>
-              <a:t>14-10-15</a:t>
+              <a:t>14/11/26</a:t>
             </a:fld>
             <a:endParaRPr kumimoji="1" lang="zh-CN" altLang="en-US"/>
           </a:p>
@@ -6068,7 +6068,7 @@
           <a:p>
             <a:fld id="{DFB31785-D22D-1246-A2E2-4A10334112B6}" type="datetimeFigureOut">
               <a:rPr kumimoji="1" lang="zh-CN" altLang="en-US" smtClean="0"/>
-              <a:t>14-10-15</a:t>
+              <a:t>14/11/26</a:t>
             </a:fld>
             <a:endParaRPr kumimoji="1" lang="zh-CN" altLang="en-US"/>
           </a:p>
@@ -6609,7 +6609,7 @@
           <a:p>
             <a:fld id="{DFB31785-D22D-1246-A2E2-4A10334112B6}" type="datetimeFigureOut">
               <a:rPr kumimoji="1" lang="zh-CN" altLang="en-US" smtClean="0"/>
-              <a:t>14-10-15</a:t>
+              <a:t>14/11/26</a:t>
             </a:fld>
             <a:endParaRPr kumimoji="1" lang="zh-CN" altLang="en-US"/>
           </a:p>
@@ -6722,7 +6722,7 @@
           <a:p>
             <a:fld id="{DFB31785-D22D-1246-A2E2-4A10334112B6}" type="datetimeFigureOut">
               <a:rPr kumimoji="1" lang="zh-CN" altLang="en-US" smtClean="0"/>
-              <a:t>14-10-15</a:t>
+              <a:t>14/11/26</a:t>
             </a:fld>
             <a:endParaRPr kumimoji="1" lang="zh-CN" altLang="en-US"/>
           </a:p>
@@ -8433,7 +8433,7 @@
           <a:p>
             <a:fld id="{DFB31785-D22D-1246-A2E2-4A10334112B6}" type="datetimeFigureOut">
               <a:rPr kumimoji="1" lang="zh-CN" altLang="en-US" smtClean="0"/>
-              <a:t>14-10-15</a:t>
+              <a:t>14/11/26</a:t>
             </a:fld>
             <a:endParaRPr kumimoji="1" lang="zh-CN" altLang="en-US"/>
           </a:p>
@@ -8584,7 +8584,7 @@
           <a:p>
             <a:fld id="{DFB31785-D22D-1246-A2E2-4A10334112B6}" type="datetimeFigureOut">
               <a:rPr kumimoji="1" lang="zh-CN" altLang="en-US" smtClean="0"/>
-              <a:t>14-10-15</a:t>
+              <a:t>14/11/26</a:t>
             </a:fld>
             <a:endParaRPr kumimoji="1" lang="zh-CN" altLang="en-US"/>
           </a:p>
@@ -12199,7 +12199,7 @@
           <a:p>
             <a:fld id="{DFB31785-D22D-1246-A2E2-4A10334112B6}" type="datetimeFigureOut">
               <a:rPr kumimoji="1" lang="zh-CN" altLang="en-US" smtClean="0"/>
-              <a:t>14-10-15</a:t>
+              <a:t>14/11/26</a:t>
             </a:fld>
             <a:endParaRPr kumimoji="1" lang="zh-CN" altLang="en-US"/>
           </a:p>
@@ -14058,7 +14058,7 @@
           <a:p>
             <a:fld id="{DFB31785-D22D-1246-A2E2-4A10334112B6}" type="datetimeFigureOut">
               <a:rPr kumimoji="1" lang="zh-CN" altLang="en-US" smtClean="0"/>
-              <a:t>14-10-15</a:t>
+              <a:t>14/11/26</a:t>
             </a:fld>
             <a:endParaRPr kumimoji="1" lang="zh-CN" altLang="en-US"/>
           </a:p>
@@ -14735,15 +14735,7 @@
                   <a:schemeClr val="tx1"/>
                 </a:solidFill>
               </a:rPr>
-              <a:t>每种库特</a:t>
-            </a:r>
-            <a:r>
-              <a:rPr kumimoji="1" lang="zh-CN" altLang="en-US" dirty="0" smtClean="0">
-                <a:solidFill>
-                  <a:schemeClr val="tx1"/>
-                </a:solidFill>
-              </a:rPr>
-              <a:t>点有什么</a:t>
+              <a:t>每种库特点有什么</a:t>
             </a:r>
             <a:endParaRPr kumimoji="1" lang="zh-CN" altLang="en-US" dirty="0">
               <a:solidFill>
@@ -14922,7 +14914,7 @@
         </p:blipFill>
         <p:spPr>
           <a:xfrm>
-            <a:off x="0" y="1920759"/>
+            <a:off x="204081" y="1591057"/>
             <a:ext cx="3890763" cy="3716290"/>
           </a:xfrm>
           <a:prstGeom prst="rect">
@@ -14938,8 +14930,8 @@
         </p:nvSpPr>
         <p:spPr>
           <a:xfrm>
-            <a:off x="4673313" y="3025200"/>
-            <a:ext cx="4470687" cy="1191003"/>
+            <a:off x="4758224" y="3025200"/>
+            <a:ext cx="4155333" cy="1191003"/>
           </a:xfrm>
           <a:prstGeom prst="rect">
             <a:avLst/>
@@ -14980,8 +14972,8 @@
         </p:nvSpPr>
         <p:spPr>
           <a:xfrm>
-            <a:off x="4673313" y="1591057"/>
-            <a:ext cx="4470688" cy="1331830"/>
+            <a:off x="4758224" y="1591057"/>
+            <a:ext cx="4155334" cy="1331830"/>
           </a:xfrm>
           <a:prstGeom prst="rect">
             <a:avLst/>
@@ -15022,8 +15014,8 @@
         </p:nvSpPr>
         <p:spPr>
           <a:xfrm>
-            <a:off x="4673313" y="4263701"/>
-            <a:ext cx="4470687" cy="1606028"/>
+            <a:off x="4758224" y="4263701"/>
+            <a:ext cx="4155333" cy="1606028"/>
           </a:xfrm>
           <a:prstGeom prst="rect">
             <a:avLst/>
@@ -15144,8 +15136,8 @@
         </p:blipFill>
         <p:spPr>
           <a:xfrm>
-            <a:off x="0" y="958323"/>
-            <a:ext cx="4730532" cy="4766921"/>
+            <a:off x="793651" y="2030133"/>
+            <a:ext cx="3038552" cy="3061926"/>
           </a:xfrm>
           <a:prstGeom prst="rect">
             <a:avLst/>
@@ -15354,11 +15346,7 @@
             </a:r>
             <a:r>
               <a:rPr kumimoji="1" lang="zh-CN" altLang="en-US" sz="4400" dirty="0" smtClean="0"/>
-              <a:t>（</a:t>
-            </a:r>
-            <a:r>
-              <a:rPr kumimoji="1" lang="zh-CN" altLang="en-US" sz="4400" dirty="0" smtClean="0"/>
-              <a:t>支持</a:t>
+              <a:t>（支持</a:t>
             </a:r>
             <a:r>
               <a:rPr kumimoji="1" lang="en-US" altLang="zh-CN" sz="4400" dirty="0" smtClean="0"/>
@@ -15373,23 +15361,11 @@
           <a:p>
             <a:r>
               <a:rPr kumimoji="1" lang="zh-CN" altLang="en-US" sz="4400" dirty="0" smtClean="0"/>
-              <a:t>二维码</a:t>
-            </a:r>
-            <a:r>
-              <a:rPr kumimoji="1" lang="zh-CN" altLang="en-US" sz="4400" dirty="0" smtClean="0"/>
-              <a:t>容错  </a:t>
-            </a:r>
-            <a:r>
-              <a:rPr kumimoji="1" lang="zh-CN" altLang="en-US" sz="4400" dirty="0" smtClean="0"/>
-              <a:t>可以达到</a:t>
+              <a:t>二维码容错  可以达到</a:t>
             </a:r>
             <a:r>
               <a:rPr kumimoji="1" lang="en-US" altLang="zh-CN" sz="4400" dirty="0" smtClean="0"/>
-              <a:t>30</a:t>
-            </a:r>
-            <a:r>
-              <a:rPr kumimoji="1" lang="en-US" altLang="zh-CN" sz="4400" dirty="0" smtClean="0"/>
-              <a:t>%</a:t>
+              <a:t>30%</a:t>
             </a:r>
           </a:p>
           <a:p>

--- a/二维码PPT.pptx
+++ b/二维码PPT.pptx
@@ -1927,7 +1927,7 @@
           <a:p>
             <a:fld id="{DFB31785-D22D-1246-A2E2-4A10334112B6}" type="datetimeFigureOut">
               <a:rPr kumimoji="1" lang="zh-CN" altLang="en-US" smtClean="0"/>
-              <a:t>14/11/26</a:t>
+              <a:t>15/6/15</a:t>
             </a:fld>
             <a:endParaRPr kumimoji="1" lang="zh-CN" altLang="en-US"/>
           </a:p>
@@ -2108,7 +2108,7 @@
           <a:p>
             <a:fld id="{DFB31785-D22D-1246-A2E2-4A10334112B6}" type="datetimeFigureOut">
               <a:rPr kumimoji="1" lang="zh-CN" altLang="en-US" smtClean="0"/>
-              <a:t>14/11/26</a:t>
+              <a:t>15/6/15</a:t>
             </a:fld>
             <a:endParaRPr kumimoji="1" lang="zh-CN" altLang="en-US"/>
           </a:p>
@@ -2259,7 +2259,7 @@
           <a:p>
             <a:fld id="{DFB31785-D22D-1246-A2E2-4A10334112B6}" type="datetimeFigureOut">
               <a:rPr kumimoji="1" lang="zh-CN" altLang="en-US" smtClean="0"/>
-              <a:t>14/11/26</a:t>
+              <a:t>15/6/15</a:t>
             </a:fld>
             <a:endParaRPr kumimoji="1" lang="zh-CN" altLang="en-US"/>
           </a:p>
@@ -4085,7 +4085,7 @@
           <a:p>
             <a:fld id="{DFB31785-D22D-1246-A2E2-4A10334112B6}" type="datetimeFigureOut">
               <a:rPr kumimoji="1" lang="zh-CN" altLang="en-US" smtClean="0"/>
-              <a:t>14/11/26</a:t>
+              <a:t>15/6/15</a:t>
             </a:fld>
             <a:endParaRPr kumimoji="1" lang="zh-CN" altLang="en-US"/>
           </a:p>
@@ -5955,7 +5955,7 @@
           <a:p>
             <a:fld id="{DFB31785-D22D-1246-A2E2-4A10334112B6}" type="datetimeFigureOut">
               <a:rPr kumimoji="1" lang="zh-CN" altLang="en-US" smtClean="0"/>
-              <a:t>14/11/26</a:t>
+              <a:t>15/6/15</a:t>
             </a:fld>
             <a:endParaRPr kumimoji="1" lang="zh-CN" altLang="en-US"/>
           </a:p>
@@ -6068,7 +6068,7 @@
           <a:p>
             <a:fld id="{DFB31785-D22D-1246-A2E2-4A10334112B6}" type="datetimeFigureOut">
               <a:rPr kumimoji="1" lang="zh-CN" altLang="en-US" smtClean="0"/>
-              <a:t>14/11/26</a:t>
+              <a:t>15/6/15</a:t>
             </a:fld>
             <a:endParaRPr kumimoji="1" lang="zh-CN" altLang="en-US"/>
           </a:p>
@@ -6609,7 +6609,7 @@
           <a:p>
             <a:fld id="{DFB31785-D22D-1246-A2E2-4A10334112B6}" type="datetimeFigureOut">
               <a:rPr kumimoji="1" lang="zh-CN" altLang="en-US" smtClean="0"/>
-              <a:t>14/11/26</a:t>
+              <a:t>15/6/15</a:t>
             </a:fld>
             <a:endParaRPr kumimoji="1" lang="zh-CN" altLang="en-US"/>
           </a:p>
@@ -6722,7 +6722,7 @@
           <a:p>
             <a:fld id="{DFB31785-D22D-1246-A2E2-4A10334112B6}" type="datetimeFigureOut">
               <a:rPr kumimoji="1" lang="zh-CN" altLang="en-US" smtClean="0"/>
-              <a:t>14/11/26</a:t>
+              <a:t>15/6/15</a:t>
             </a:fld>
             <a:endParaRPr kumimoji="1" lang="zh-CN" altLang="en-US"/>
           </a:p>
@@ -8433,7 +8433,7 @@
           <a:p>
             <a:fld id="{DFB31785-D22D-1246-A2E2-4A10334112B6}" type="datetimeFigureOut">
               <a:rPr kumimoji="1" lang="zh-CN" altLang="en-US" smtClean="0"/>
-              <a:t>14/11/26</a:t>
+              <a:t>15/6/15</a:t>
             </a:fld>
             <a:endParaRPr kumimoji="1" lang="zh-CN" altLang="en-US"/>
           </a:p>
@@ -8584,7 +8584,7 @@
           <a:p>
             <a:fld id="{DFB31785-D22D-1246-A2E2-4A10334112B6}" type="datetimeFigureOut">
               <a:rPr kumimoji="1" lang="zh-CN" altLang="en-US" smtClean="0"/>
-              <a:t>14/11/26</a:t>
+              <a:t>15/6/15</a:t>
             </a:fld>
             <a:endParaRPr kumimoji="1" lang="zh-CN" altLang="en-US"/>
           </a:p>
@@ -12199,7 +12199,7 @@
           <a:p>
             <a:fld id="{DFB31785-D22D-1246-A2E2-4A10334112B6}" type="datetimeFigureOut">
               <a:rPr kumimoji="1" lang="zh-CN" altLang="en-US" smtClean="0"/>
-              <a:t>14/11/26</a:t>
+              <a:t>15/6/15</a:t>
             </a:fld>
             <a:endParaRPr kumimoji="1" lang="zh-CN" altLang="en-US"/>
           </a:p>
@@ -14058,7 +14058,7 @@
           <a:p>
             <a:fld id="{DFB31785-D22D-1246-A2E2-4A10334112B6}" type="datetimeFigureOut">
               <a:rPr kumimoji="1" lang="zh-CN" altLang="en-US" smtClean="0"/>
-              <a:t>14/11/26</a:t>
+              <a:t>15/6/15</a:t>
             </a:fld>
             <a:endParaRPr kumimoji="1" lang="zh-CN" altLang="en-US"/>
           </a:p>
@@ -15313,7 +15313,7 @@
         <p:spPr/>
         <p:txBody>
           <a:bodyPr>
-            <a:normAutofit/>
+            <a:normAutofit fontScale="92500" lnSpcReduction="10000"/>
           </a:bodyPr>
           <a:lstStyle/>
           <a:p>
@@ -15379,7 +15379,23 @@
             </a:r>
             <a:r>
               <a:rPr kumimoji="1" lang="zh-CN" altLang="en-US" sz="4400" dirty="0" smtClean="0"/>
-              <a:t>中自带了二维码扫描</a:t>
+              <a:t>中</a:t>
+            </a:r>
+            <a:r>
+              <a:rPr kumimoji="1" lang="zh-CN" altLang="en-US" sz="4400" dirty="0" smtClean="0"/>
+              <a:t>加入了</a:t>
+            </a:r>
+            <a:r>
+              <a:rPr kumimoji="1" lang="zh-CN" altLang="en-US" sz="4400" dirty="0" smtClean="0"/>
+              <a:t>二维码扫描</a:t>
+            </a:r>
+            <a:r>
+              <a:rPr kumimoji="1" lang="zh-CN" altLang="en-US" sz="4400" dirty="0" smtClean="0"/>
+              <a:t>以及二维码生成</a:t>
+            </a:r>
+            <a:r>
+              <a:rPr kumimoji="1" lang="en-US" altLang="zh-CN" sz="4400" dirty="0" smtClean="0"/>
+              <a:t>API</a:t>
             </a:r>
             <a:endParaRPr kumimoji="1" lang="zh-CN" altLang="en-US" sz="4400" dirty="0"/>
           </a:p>
